--- a/RabbitMQ/CV/RabbitMQ.pptx
+++ b/RabbitMQ/CV/RabbitMQ.pptx
@@ -106,6 +106,11 @@
       </a:defRPr>
     </a:lvl9pPr>
   </p:defaultTextStyle>
+  <p:extLst>
+    <p:ext uri="{EFAFB233-063F-42B5-8137-9DF3F51BA10A}">
+      <p15:sldGuideLst xmlns:p15="http://schemas.microsoft.com/office/powerpoint/2012/main"/>
+    </p:ext>
+  </p:extLst>
 </p:presentation>
 </file>
 
@@ -258,7 +263,7 @@
           <a:p>
             <a:fld id="{7B394DB7-B0CD-491C-B41A-C07A5A2165AB}" type="datetimeFigureOut">
               <a:rPr lang="en-IN" smtClean="0"/>
-              <a:t>10-06-2019</a:t>
+              <a:t>17-07-2019</a:t>
             </a:fld>
             <a:endParaRPr lang="en-IN"/>
           </a:p>
@@ -458,7 +463,7 @@
           <a:p>
             <a:fld id="{7B394DB7-B0CD-491C-B41A-C07A5A2165AB}" type="datetimeFigureOut">
               <a:rPr lang="en-IN" smtClean="0"/>
-              <a:t>10-06-2019</a:t>
+              <a:t>17-07-2019</a:t>
             </a:fld>
             <a:endParaRPr lang="en-IN"/>
           </a:p>
@@ -668,7 +673,7 @@
           <a:p>
             <a:fld id="{7B394DB7-B0CD-491C-B41A-C07A5A2165AB}" type="datetimeFigureOut">
               <a:rPr lang="en-IN" smtClean="0"/>
-              <a:t>10-06-2019</a:t>
+              <a:t>17-07-2019</a:t>
             </a:fld>
             <a:endParaRPr lang="en-IN"/>
           </a:p>
@@ -868,7 +873,7 @@
           <a:p>
             <a:fld id="{7B394DB7-B0CD-491C-B41A-C07A5A2165AB}" type="datetimeFigureOut">
               <a:rPr lang="en-IN" smtClean="0"/>
-              <a:t>10-06-2019</a:t>
+              <a:t>17-07-2019</a:t>
             </a:fld>
             <a:endParaRPr lang="en-IN"/>
           </a:p>
@@ -1144,7 +1149,7 @@
           <a:p>
             <a:fld id="{7B394DB7-B0CD-491C-B41A-C07A5A2165AB}" type="datetimeFigureOut">
               <a:rPr lang="en-IN" smtClean="0"/>
-              <a:t>10-06-2019</a:t>
+              <a:t>17-07-2019</a:t>
             </a:fld>
             <a:endParaRPr lang="en-IN"/>
           </a:p>
@@ -1412,7 +1417,7 @@
           <a:p>
             <a:fld id="{7B394DB7-B0CD-491C-B41A-C07A5A2165AB}" type="datetimeFigureOut">
               <a:rPr lang="en-IN" smtClean="0"/>
-              <a:t>10-06-2019</a:t>
+              <a:t>17-07-2019</a:t>
             </a:fld>
             <a:endParaRPr lang="en-IN"/>
           </a:p>
@@ -1827,7 +1832,7 @@
           <a:p>
             <a:fld id="{7B394DB7-B0CD-491C-B41A-C07A5A2165AB}" type="datetimeFigureOut">
               <a:rPr lang="en-IN" smtClean="0"/>
-              <a:t>10-06-2019</a:t>
+              <a:t>17-07-2019</a:t>
             </a:fld>
             <a:endParaRPr lang="en-IN"/>
           </a:p>
@@ -1969,7 +1974,7 @@
           <a:p>
             <a:fld id="{7B394DB7-B0CD-491C-B41A-C07A5A2165AB}" type="datetimeFigureOut">
               <a:rPr lang="en-IN" smtClean="0"/>
-              <a:t>10-06-2019</a:t>
+              <a:t>17-07-2019</a:t>
             </a:fld>
             <a:endParaRPr lang="en-IN"/>
           </a:p>
@@ -2082,7 +2087,7 @@
           <a:p>
             <a:fld id="{7B394DB7-B0CD-491C-B41A-C07A5A2165AB}" type="datetimeFigureOut">
               <a:rPr lang="en-IN" smtClean="0"/>
-              <a:t>10-06-2019</a:t>
+              <a:t>17-07-2019</a:t>
             </a:fld>
             <a:endParaRPr lang="en-IN"/>
           </a:p>
@@ -2395,7 +2400,7 @@
           <a:p>
             <a:fld id="{7B394DB7-B0CD-491C-B41A-C07A5A2165AB}" type="datetimeFigureOut">
               <a:rPr lang="en-IN" smtClean="0"/>
-              <a:t>10-06-2019</a:t>
+              <a:t>17-07-2019</a:t>
             </a:fld>
             <a:endParaRPr lang="en-IN"/>
           </a:p>
@@ -2684,7 +2689,7 @@
           <a:p>
             <a:fld id="{7B394DB7-B0CD-491C-B41A-C07A5A2165AB}" type="datetimeFigureOut">
               <a:rPr lang="en-IN" smtClean="0"/>
-              <a:t>10-06-2019</a:t>
+              <a:t>17-07-2019</a:t>
             </a:fld>
             <a:endParaRPr lang="en-IN"/>
           </a:p>
@@ -2927,7 +2932,7 @@
           <a:p>
             <a:fld id="{7B394DB7-B0CD-491C-B41A-C07A5A2165AB}" type="datetimeFigureOut">
               <a:rPr lang="en-IN" smtClean="0"/>
-              <a:t>10-06-2019</a:t>
+              <a:t>17-07-2019</a:t>
             </a:fld>
             <a:endParaRPr lang="en-IN"/>
           </a:p>
@@ -3643,48 +3648,6 @@
           </a:p>
         </p:txBody>
       </p:sp>
-      <p:cxnSp>
-        <p:nvCxnSpPr>
-          <p:cNvPr id="9" name="Straight Arrow Connector 8">
-            <a:extLst>
-              <a:ext uri="{FF2B5EF4-FFF2-40B4-BE49-F238E27FC236}">
-                <a16:creationId xmlns:a16="http://schemas.microsoft.com/office/drawing/2014/main" id="{BB010437-6600-4196-995C-7C6C7133C0AC}"/>
-              </a:ext>
-            </a:extLst>
-          </p:cNvPr>
-          <p:cNvCxnSpPr>
-            <a:stCxn id="7" idx="3"/>
-            <a:endCxn id="4" idx="1"/>
-          </p:cNvCxnSpPr>
-          <p:nvPr/>
-        </p:nvCxnSpPr>
-        <p:spPr>
-          <a:xfrm>
-            <a:off x="2521235" y="3839774"/>
-            <a:ext cx="7282013" cy="4984"/>
-          </a:xfrm>
-          <a:prstGeom prst="straightConnector1">
-            <a:avLst/>
-          </a:prstGeom>
-          <a:ln w="28575">
-            <a:tailEnd type="triangle"/>
-          </a:ln>
-        </p:spPr>
-        <p:style>
-          <a:lnRef idx="1">
-            <a:schemeClr val="accent1"/>
-          </a:lnRef>
-          <a:fillRef idx="0">
-            <a:schemeClr val="accent1"/>
-          </a:fillRef>
-          <a:effectRef idx="0">
-            <a:schemeClr val="accent1"/>
-          </a:effectRef>
-          <a:fontRef idx="minor">
-            <a:schemeClr val="tx1"/>
-          </a:fontRef>
-        </p:style>
-      </p:cxnSp>
       <p:sp>
         <p:nvSpPr>
           <p:cNvPr id="10" name="TextBox 9">
@@ -4767,6 +4730,48 @@
           </a:p>
         </p:txBody>
       </p:sp>
+      <p:cxnSp>
+        <p:nvCxnSpPr>
+          <p:cNvPr id="9" name="Straight Arrow Connector 8">
+            <a:extLst>
+              <a:ext uri="{FF2B5EF4-FFF2-40B4-BE49-F238E27FC236}">
+                <a16:creationId xmlns:a16="http://schemas.microsoft.com/office/drawing/2014/main" id="{BB010437-6600-4196-995C-7C6C7133C0AC}"/>
+              </a:ext>
+            </a:extLst>
+          </p:cNvPr>
+          <p:cNvCxnSpPr>
+            <a:stCxn id="7" idx="3"/>
+            <a:endCxn id="4" idx="1"/>
+          </p:cNvCxnSpPr>
+          <p:nvPr/>
+        </p:nvCxnSpPr>
+        <p:spPr>
+          <a:xfrm>
+            <a:off x="2521235" y="3839774"/>
+            <a:ext cx="7282013" cy="4984"/>
+          </a:xfrm>
+          <a:prstGeom prst="straightConnector1">
+            <a:avLst/>
+          </a:prstGeom>
+          <a:ln w="28575">
+            <a:tailEnd type="triangle"/>
+          </a:ln>
+        </p:spPr>
+        <p:style>
+          <a:lnRef idx="1">
+            <a:schemeClr val="accent1"/>
+          </a:lnRef>
+          <a:fillRef idx="0">
+            <a:schemeClr val="accent1"/>
+          </a:fillRef>
+          <a:effectRef idx="0">
+            <a:schemeClr val="accent1"/>
+          </a:effectRef>
+          <a:fontRef idx="minor">
+            <a:schemeClr val="tx1"/>
+          </a:fontRef>
+        </p:style>
+      </p:cxnSp>
     </p:spTree>
     <p:extLst>
       <p:ext uri="{BB962C8B-B14F-4D97-AF65-F5344CB8AC3E}">
